--- a/Report/Friday.pptx
+++ b/Report/Friday.pptx
@@ -7,6 +7,7 @@
   <p:sldIdLst>
     <p:sldId id="256" r:id="rId2"/>
     <p:sldId id="257" r:id="rId3"/>
+    <p:sldId id="258" r:id="rId4"/>
   </p:sldIdLst>
   <p:sldSz cx="12192000" cy="6858000"/>
   <p:notesSz cx="6858000" cy="9144000"/>
@@ -105,6 +106,11 @@
       </a:defRPr>
     </a:lvl9pPr>
   </p:defaultTextStyle>
+  <p:extLst>
+    <p:ext uri="{EFAFB233-063F-42B5-8137-9DF3F51BA10A}">
+      <p15:sldGuideLst xmlns:p15="http://schemas.microsoft.com/office/powerpoint/2012/main"/>
+    </p:ext>
+  </p:extLst>
 </p:presentation>
 </file>
 
@@ -255,7 +261,7 @@
           <a:p>
             <a:fld id="{92675849-FA3A-4EDE-B228-25C68280F727}" type="datetimeFigureOut">
               <a:rPr lang="en-US" smtClean="0"/>
-              <a:t>6/30/2022</a:t>
+              <a:t>7/4/2022</a:t>
             </a:fld>
             <a:endParaRPr lang="en-US"/>
           </a:p>
@@ -453,7 +459,7 @@
           <a:p>
             <a:fld id="{92675849-FA3A-4EDE-B228-25C68280F727}" type="datetimeFigureOut">
               <a:rPr lang="en-US" smtClean="0"/>
-              <a:t>6/30/2022</a:t>
+              <a:t>7/4/2022</a:t>
             </a:fld>
             <a:endParaRPr lang="en-US"/>
           </a:p>
@@ -661,7 +667,7 @@
           <a:p>
             <a:fld id="{92675849-FA3A-4EDE-B228-25C68280F727}" type="datetimeFigureOut">
               <a:rPr lang="en-US" smtClean="0"/>
-              <a:t>6/30/2022</a:t>
+              <a:t>7/4/2022</a:t>
             </a:fld>
             <a:endParaRPr lang="en-US"/>
           </a:p>
@@ -859,7 +865,7 @@
           <a:p>
             <a:fld id="{92675849-FA3A-4EDE-B228-25C68280F727}" type="datetimeFigureOut">
               <a:rPr lang="en-US" smtClean="0"/>
-              <a:t>6/30/2022</a:t>
+              <a:t>7/4/2022</a:t>
             </a:fld>
             <a:endParaRPr lang="en-US"/>
           </a:p>
@@ -1134,7 +1140,7 @@
           <a:p>
             <a:fld id="{92675849-FA3A-4EDE-B228-25C68280F727}" type="datetimeFigureOut">
               <a:rPr lang="en-US" smtClean="0"/>
-              <a:t>6/30/2022</a:t>
+              <a:t>7/4/2022</a:t>
             </a:fld>
             <a:endParaRPr lang="en-US"/>
           </a:p>
@@ -1399,7 +1405,7 @@
           <a:p>
             <a:fld id="{92675849-FA3A-4EDE-B228-25C68280F727}" type="datetimeFigureOut">
               <a:rPr lang="en-US" smtClean="0"/>
-              <a:t>6/30/2022</a:t>
+              <a:t>7/4/2022</a:t>
             </a:fld>
             <a:endParaRPr lang="en-US"/>
           </a:p>
@@ -1811,7 +1817,7 @@
           <a:p>
             <a:fld id="{92675849-FA3A-4EDE-B228-25C68280F727}" type="datetimeFigureOut">
               <a:rPr lang="en-US" smtClean="0"/>
-              <a:t>6/30/2022</a:t>
+              <a:t>7/4/2022</a:t>
             </a:fld>
             <a:endParaRPr lang="en-US"/>
           </a:p>
@@ -1952,7 +1958,7 @@
           <a:p>
             <a:fld id="{92675849-FA3A-4EDE-B228-25C68280F727}" type="datetimeFigureOut">
               <a:rPr lang="en-US" smtClean="0"/>
-              <a:t>6/30/2022</a:t>
+              <a:t>7/4/2022</a:t>
             </a:fld>
             <a:endParaRPr lang="en-US"/>
           </a:p>
@@ -2065,7 +2071,7 @@
           <a:p>
             <a:fld id="{92675849-FA3A-4EDE-B228-25C68280F727}" type="datetimeFigureOut">
               <a:rPr lang="en-US" smtClean="0"/>
-              <a:t>6/30/2022</a:t>
+              <a:t>7/4/2022</a:t>
             </a:fld>
             <a:endParaRPr lang="en-US"/>
           </a:p>
@@ -2376,7 +2382,7 @@
           <a:p>
             <a:fld id="{92675849-FA3A-4EDE-B228-25C68280F727}" type="datetimeFigureOut">
               <a:rPr lang="en-US" smtClean="0"/>
-              <a:t>6/30/2022</a:t>
+              <a:t>7/4/2022</a:t>
             </a:fld>
             <a:endParaRPr lang="en-US"/>
           </a:p>
@@ -2664,7 +2670,7 @@
           <a:p>
             <a:fld id="{92675849-FA3A-4EDE-B228-25C68280F727}" type="datetimeFigureOut">
               <a:rPr lang="en-US" smtClean="0"/>
-              <a:t>6/30/2022</a:t>
+              <a:t>7/4/2022</a:t>
             </a:fld>
             <a:endParaRPr lang="en-US"/>
           </a:p>
@@ -2905,7 +2911,7 @@
           <a:p>
             <a:fld id="{92675849-FA3A-4EDE-B228-25C68280F727}" type="datetimeFigureOut">
               <a:rPr lang="en-US" smtClean="0"/>
-              <a:t>6/30/2022</a:t>
+              <a:t>7/4/2022</a:t>
             </a:fld>
             <a:endParaRPr lang="en-US"/>
           </a:p>
@@ -3464,7 +3470,7 @@
         <p:spPr>
           <a:xfrm>
             <a:off x="838200" y="1825625"/>
-            <a:ext cx="3918438" cy="4351338"/>
+            <a:ext cx="4586654" cy="4351338"/>
           </a:xfrm>
         </p:spPr>
         <p:txBody>
@@ -3507,20 +3513,8 @@
           </a:p>
           <a:p>
             <a:r>
-              <a:rPr lang="en-US" dirty="0" err="1"/>
-              <a:t>exclud</a:t>
-            </a:r>
-            <a:r>
               <a:rPr lang="en-US" dirty="0"/>
-              <a:t> “out oh </a:t>
-            </a:r>
-            <a:r>
-              <a:rPr lang="en-US" dirty="0" err="1"/>
-              <a:t>theshold</a:t>
-            </a:r>
-            <a:r>
-              <a:rPr lang="en-US" dirty="0"/>
-              <a:t>”</a:t>
+              <a:t>exclude “out oh threshold”</a:t>
             </a:r>
           </a:p>
           <a:p>
@@ -3795,6 +3789,188 @@
     <p:extLst>
       <p:ext uri="{BB962C8B-B14F-4D97-AF65-F5344CB8AC3E}">
         <p14:creationId xmlns:p14="http://schemas.microsoft.com/office/powerpoint/2010/main" val="805389859"/>
+      </p:ext>
+    </p:extLst>
+  </p:cSld>
+  <p:clrMapOvr>
+    <a:masterClrMapping/>
+  </p:clrMapOvr>
+</p:sld>
+</file>
+
+<file path=ppt/slides/slide3.xml><?xml version="1.0" encoding="utf-8"?>
+<p:sld xmlns:a="http://schemas.openxmlformats.org/drawingml/2006/main" xmlns:r="http://schemas.openxmlformats.org/officeDocument/2006/relationships" xmlns:p="http://schemas.openxmlformats.org/presentationml/2006/main">
+  <p:cSld>
+    <p:spTree>
+      <p:nvGrpSpPr>
+        <p:cNvPr id="1" name=""/>
+        <p:cNvGrpSpPr/>
+        <p:nvPr/>
+      </p:nvGrpSpPr>
+      <p:grpSpPr>
+        <a:xfrm>
+          <a:off x="0" y="0"/>
+          <a:ext cx="0" cy="0"/>
+          <a:chOff x="0" y="0"/>
+          <a:chExt cx="0" cy="0"/>
+        </a:xfrm>
+      </p:grpSpPr>
+      <p:sp>
+        <p:nvSpPr>
+          <p:cNvPr id="2" name="Title 1">
+            <a:extLst>
+              <a:ext uri="{FF2B5EF4-FFF2-40B4-BE49-F238E27FC236}">
+                <a16:creationId xmlns:a16="http://schemas.microsoft.com/office/drawing/2014/main" id="{C2A2E54C-3991-3889-95BC-D1882F77518B}"/>
+              </a:ext>
+            </a:extLst>
+          </p:cNvPr>
+          <p:cNvSpPr>
+            <a:spLocks noGrp="1"/>
+          </p:cNvSpPr>
+          <p:nvPr>
+            <p:ph type="title"/>
+          </p:nvPr>
+        </p:nvSpPr>
+        <p:spPr/>
+        <p:txBody>
+          <a:bodyPr/>
+          <a:lstStyle/>
+          <a:p>
+            <a:r>
+              <a:rPr lang="en-US" dirty="0" err="1"/>
+              <a:t>todo</a:t>
+            </a:r>
+            <a:endParaRPr lang="en-US" dirty="0"/>
+          </a:p>
+        </p:txBody>
+      </p:sp>
+      <p:sp>
+        <p:nvSpPr>
+          <p:cNvPr id="3" name="Content Placeholder 2">
+            <a:extLst>
+              <a:ext uri="{FF2B5EF4-FFF2-40B4-BE49-F238E27FC236}">
+                <a16:creationId xmlns:a16="http://schemas.microsoft.com/office/drawing/2014/main" id="{1AC3E8BD-CD44-2372-893A-735436DCE49B}"/>
+              </a:ext>
+            </a:extLst>
+          </p:cNvPr>
+          <p:cNvSpPr>
+            <a:spLocks noGrp="1"/>
+          </p:cNvSpPr>
+          <p:nvPr>
+            <p:ph idx="1"/>
+          </p:nvPr>
+        </p:nvSpPr>
+        <p:spPr>
+          <a:xfrm>
+            <a:off x="838200" y="1690688"/>
+            <a:ext cx="10515600" cy="4486275"/>
+          </a:xfrm>
+        </p:spPr>
+        <p:txBody>
+          <a:bodyPr/>
+          <a:lstStyle/>
+          <a:p>
+            <a:r>
+              <a:rPr lang="en-US" dirty="0" err="1"/>
+              <a:t>Signalverarbeitung</a:t>
+            </a:r>
+            <a:r>
+              <a:rPr lang="en-US" dirty="0"/>
+              <a:t> - </a:t>
+            </a:r>
+          </a:p>
+          <a:p>
+            <a:r>
+              <a:rPr lang="en-US" dirty="0" err="1"/>
+              <a:t>Häufigkeiten</a:t>
+            </a:r>
+            <a:r>
+              <a:rPr lang="en-US" dirty="0"/>
+              <a:t> von </a:t>
+            </a:r>
+            <a:r>
+              <a:rPr lang="en-US" dirty="0" err="1"/>
+              <a:t>ereingnissen</a:t>
+            </a:r>
+            <a:r>
+              <a:rPr lang="en-US" dirty="0"/>
+              <a:t> </a:t>
+            </a:r>
+          </a:p>
+          <a:p>
+            <a:r>
+              <a:rPr lang="en-US" dirty="0" err="1"/>
+              <a:t>Threshhold</a:t>
+            </a:r>
+            <a:r>
+              <a:rPr lang="en-US" dirty="0"/>
+              <a:t> </a:t>
+            </a:r>
+            <a:r>
+              <a:rPr lang="en-US" dirty="0" err="1"/>
+              <a:t>drinlassen</a:t>
+            </a:r>
+            <a:r>
+              <a:rPr lang="en-US" dirty="0"/>
+              <a:t> </a:t>
+            </a:r>
+          </a:p>
+          <a:p>
+            <a:r>
+              <a:rPr lang="en-US" dirty="0"/>
+              <a:t>Plot von </a:t>
+            </a:r>
+            <a:r>
+              <a:rPr lang="en-US" dirty="0" err="1"/>
+              <a:t>wavtel</a:t>
+            </a:r>
+            <a:r>
+              <a:rPr lang="en-US" dirty="0"/>
+              <a:t> /FFT </a:t>
+            </a:r>
+            <a:r>
+              <a:rPr lang="en-US" dirty="0" err="1"/>
+              <a:t>anschauen</a:t>
+            </a:r>
+            <a:endParaRPr lang="en-US" dirty="0"/>
+          </a:p>
+          <a:p>
+            <a:pPr lvl="1"/>
+            <a:r>
+              <a:rPr lang="en-US" dirty="0" err="1"/>
+              <a:t>Fft</a:t>
+            </a:r>
+            <a:r>
+              <a:rPr lang="en-US" dirty="0"/>
+              <a:t> peaks </a:t>
+            </a:r>
+            <a:r>
+              <a:rPr lang="en-US" dirty="0" err="1"/>
+              <a:t>anschauen</a:t>
+            </a:r>
+            <a:r>
+              <a:rPr lang="en-US" dirty="0"/>
+              <a:t> </a:t>
+            </a:r>
+          </a:p>
+          <a:p>
+            <a:r>
+              <a:rPr lang="en-US" dirty="0"/>
+              <a:t>OK/NO / out of threshold  </a:t>
+            </a:r>
+          </a:p>
+          <a:p>
+            <a:endParaRPr lang="en-US" dirty="0"/>
+          </a:p>
+          <a:p>
+            <a:endParaRPr lang="en-US" dirty="0"/>
+          </a:p>
+        </p:txBody>
+      </p:sp>
+    </p:spTree>
+    <p:extLst>
+      <p:ext uri="{BB962C8B-B14F-4D97-AF65-F5344CB8AC3E}">
+        <p14:creationId xmlns:p14="http://schemas.microsoft.com/office/powerpoint/2010/main" val="3504971387"/>
       </p:ext>
     </p:extLst>
   </p:cSld>
